--- a/papier/odsi_wp1wp3/figures/management model.pptx
+++ b/papier/odsi_wp1wp3/figures/management model.pptx
@@ -109,7 +109,7 @@
   </p:defaultTextStyle>
   <p:extLst>
     <p:ext uri="{EFAFB233-063F-42B5-8137-9DF3F51BA10A}">
-      <p15:sldGuideLst xmlns="" xmlns:p15="http://schemas.microsoft.com/office/powerpoint/2012/main">
+      <p15:sldGuideLst xmlns:p15="http://schemas.microsoft.com/office/powerpoint/2012/main" xmlns="">
         <p15:guide id="9" orient="horz" pos="169">
           <p15:clr>
             <a:srgbClr val="A4A3A4"/>
@@ -153,7 +153,7 @@
       </p15:sldGuideLst>
     </p:ext>
     <p:ext uri="{2D200454-40CA-4A62-9FC3-DE9A4176ACB9}">
-      <p15:notesGuideLst xmlns="" xmlns:p15="http://schemas.microsoft.com/office/powerpoint/2012/main"/>
+      <p15:notesGuideLst xmlns:p15="http://schemas.microsoft.com/office/powerpoint/2012/main" xmlns=""/>
     </p:ext>
   </p:extLst>
 </p:presentation>
@@ -246,7 +246,7 @@
             <a:fld id="{14F63557-65CD-470F-8999-4C3C411BE899}" type="datetimeFigureOut">
               <a:rPr lang="en-GB" smtClean="0"/>
               <a:pPr/>
-              <a:t>19/03/2018</a:t>
+              <a:t>22/03/2018</a:t>
             </a:fld>
             <a:endParaRPr lang="en-GB"/>
           </a:p>
@@ -4411,7 +4411,7 @@
   </p:txStyles>
   <p:extLst mod="1">
     <p:ext uri="{27BBF7A9-308A-43DC-89C8-2F10F3537804}">
-      <p15:sldGuideLst xmlns="" xmlns:p15="http://schemas.microsoft.com/office/powerpoint/2012/main"/>
+      <p15:sldGuideLst xmlns:p15="http://schemas.microsoft.com/office/powerpoint/2012/main" xmlns=""/>
     </p:ext>
   </p:extLst>
 </p:sldMaster>
@@ -5451,27 +5451,8 @@
                   <a:ea typeface="CMU Sans Serif" panose="02000603000000000000" pitchFamily="2" charset="0"/>
                   <a:cs typeface="CMU Sans Serif" panose="02000603000000000000" pitchFamily="2" charset="0"/>
                 </a:rPr>
-                <a:t>Admin </a:t>
+                <a:t>Admin Mgr (agent)</a:t>
               </a:r>
-              <a:r>
-                <a:rPr lang="fr-FR" sz="1200" dirty="0" smtClean="0">
-                  <a:solidFill>
-                    <a:srgbClr val="000000"/>
-                  </a:solidFill>
-                  <a:latin typeface="CMU Sans Serif" panose="02000603000000000000" pitchFamily="2" charset="0"/>
-                  <a:ea typeface="CMU Sans Serif" panose="02000603000000000000" pitchFamily="2" charset="0"/>
-                  <a:cs typeface="CMU Sans Serif" panose="02000603000000000000" pitchFamily="2" charset="0"/>
-                </a:rPr>
-                <a:t>Mgr (agent)</a:t>
-              </a:r>
-              <a:endParaRPr lang="fr-FR" sz="1200" dirty="0" smtClean="0">
-                <a:solidFill>
-                  <a:srgbClr val="000000"/>
-                </a:solidFill>
-                <a:latin typeface="CMU Sans Serif" panose="02000603000000000000" pitchFamily="2" charset="0"/>
-                <a:ea typeface="CMU Sans Serif" panose="02000603000000000000" pitchFamily="2" charset="0"/>
-                <a:cs typeface="CMU Sans Serif" panose="02000603000000000000" pitchFamily="2" charset="0"/>
-              </a:endParaRPr>
             </a:p>
           </p:txBody>
         </p:sp>
@@ -5616,8 +5597,8 @@
         </p:nvSpPr>
         <p:spPr>
           <a:xfrm>
-            <a:off x="1252127" y="249045"/>
-            <a:ext cx="1931152" cy="2634820"/>
+            <a:off x="1783369" y="249045"/>
+            <a:ext cx="1796337" cy="2634820"/>
           </a:xfrm>
           <a:prstGeom prst="rect">
             <a:avLst/>
@@ -5685,7 +5666,7 @@
         </p:nvSpPr>
         <p:spPr>
           <a:xfrm>
-            <a:off x="1258521" y="3081591"/>
+            <a:off x="1654949" y="3081591"/>
             <a:ext cx="1931152" cy="540000"/>
           </a:xfrm>
           <a:prstGeom prst="rect">
@@ -5756,7 +5737,7 @@
         </p:nvSpPr>
         <p:spPr>
           <a:xfrm>
-            <a:off x="1258521" y="3725457"/>
+            <a:off x="1654949" y="3725457"/>
             <a:ext cx="1931152" cy="540000"/>
           </a:xfrm>
           <a:prstGeom prst="rect">
@@ -5808,137 +5789,6 @@
           </a:p>
         </p:txBody>
       </p:sp>
-      <p:grpSp>
-        <p:nvGrpSpPr>
-          <p:cNvPr id="21" name="Groupe 20"/>
-          <p:cNvGrpSpPr/>
-          <p:nvPr/>
-        </p:nvGrpSpPr>
-        <p:grpSpPr>
-          <a:xfrm>
-            <a:off x="1391736" y="1895374"/>
-            <a:ext cx="1654772" cy="258574"/>
-            <a:chOff x="346677" y="1536563"/>
-            <a:chExt cx="1654772" cy="258574"/>
-          </a:xfrm>
-        </p:grpSpPr>
-        <p:sp>
-          <p:nvSpPr>
-            <p:cNvPr id="62" name="Rectangle 61"/>
-            <p:cNvSpPr/>
-            <p:nvPr/>
-          </p:nvSpPr>
-          <p:spPr>
-            <a:xfrm>
-              <a:off x="346677" y="1536563"/>
-              <a:ext cx="1654772" cy="258574"/>
-            </a:xfrm>
-            <a:prstGeom prst="rect">
-              <a:avLst/>
-            </a:prstGeom>
-            <a:noFill/>
-            <a:ln>
-              <a:solidFill>
-                <a:srgbClr val="000000"/>
-              </a:solidFill>
-            </a:ln>
-          </p:spPr>
-          <p:style>
-            <a:lnRef idx="2">
-              <a:schemeClr val="accent3">
-                <a:shade val="50000"/>
-              </a:schemeClr>
-            </a:lnRef>
-            <a:fillRef idx="1">
-              <a:schemeClr val="accent3"/>
-            </a:fillRef>
-            <a:effectRef idx="0">
-              <a:schemeClr val="accent3"/>
-            </a:effectRef>
-            <a:fontRef idx="minor">
-              <a:schemeClr val="lt1"/>
-            </a:fontRef>
-          </p:style>
-          <p:txBody>
-            <a:bodyPr rtlCol="0" anchor="ctr"/>
-            <a:lstStyle/>
-            <a:p>
-              <a:pPr algn="ctr"/>
-              <a:r>
-                <a:rPr lang="fr-FR" sz="1200" dirty="0" smtClean="0">
-                  <a:solidFill>
-                    <a:srgbClr val="000000"/>
-                  </a:solidFill>
-                  <a:latin typeface="CMU Sans Serif" panose="02000603000000000000" pitchFamily="2" charset="0"/>
-                  <a:ea typeface="CMU Sans Serif" panose="02000603000000000000" pitchFamily="2" charset="0"/>
-                  <a:cs typeface="CMU Sans Serif" panose="02000603000000000000" pitchFamily="2" charset="0"/>
-                </a:rPr>
-                <a:t>Access </a:t>
-              </a:r>
-              <a:r>
-                <a:rPr lang="fr-FR" sz="1200" dirty="0" err="1" smtClean="0">
-                  <a:solidFill>
-                    <a:srgbClr val="000000"/>
-                  </a:solidFill>
-                  <a:latin typeface="CMU Sans Serif" panose="02000603000000000000" pitchFamily="2" charset="0"/>
-                  <a:ea typeface="CMU Sans Serif" panose="02000603000000000000" pitchFamily="2" charset="0"/>
-                  <a:cs typeface="CMU Sans Serif" panose="02000603000000000000" pitchFamily="2" charset="0"/>
-                </a:rPr>
-                <a:t>policy</a:t>
-              </a:r>
-              <a:endParaRPr lang="fr-FR" sz="1200" dirty="0" smtClean="0">
-                <a:solidFill>
-                  <a:srgbClr val="000000"/>
-                </a:solidFill>
-                <a:latin typeface="CMU Sans Serif" panose="02000603000000000000" pitchFamily="2" charset="0"/>
-                <a:ea typeface="CMU Sans Serif" panose="02000603000000000000" pitchFamily="2" charset="0"/>
-                <a:cs typeface="CMU Sans Serif" panose="02000603000000000000" pitchFamily="2" charset="0"/>
-              </a:endParaRPr>
-            </a:p>
-          </p:txBody>
-        </p:sp>
-        <p:pic>
-          <p:nvPicPr>
-            <p:cNvPr id="72" name="Picture 3" descr="C:\Users\GLTM5861\Desktop\new icons\Data_Protection.png"/>
-            <p:cNvPicPr>
-              <a:picLocks noChangeAspect="1" noChangeArrowheads="1"/>
-            </p:cNvPicPr>
-            <p:nvPr/>
-          </p:nvPicPr>
-          <p:blipFill>
-            <a:blip r:embed="rId2" cstate="print">
-              <a:extLst>
-                <a:ext uri="{28A0092B-C50C-407E-A947-70E740481C1C}">
-                  <a14:useLocalDpi xmlns:a14="http://schemas.microsoft.com/office/drawing/2010/main" val="0"/>
-                </a:ext>
-              </a:extLst>
-            </a:blip>
-            <a:srcRect/>
-            <a:stretch>
-              <a:fillRect/>
-            </a:stretch>
-          </p:blipFill>
-          <p:spPr bwMode="auto">
-            <a:xfrm>
-              <a:off x="354490" y="1542159"/>
-              <a:ext cx="246584" cy="246584"/>
-            </a:xfrm>
-            <a:prstGeom prst="rect">
-              <a:avLst/>
-            </a:prstGeom>
-            <a:noFill/>
-            <a:extLst>
-              <a:ext uri="{909E8E84-426E-40DD-AFC4-6F175D3DCCD1}">
-                <a14:hiddenFill xmlns:a14="http://schemas.microsoft.com/office/drawing/2010/main">
-                  <a:solidFill>
-                    <a:srgbClr val="FFFFFF"/>
-                  </a:solidFill>
-                </a14:hiddenFill>
-              </a:ext>
-            </a:extLst>
-          </p:spPr>
-        </p:pic>
-      </p:grpSp>
       <p:pic>
         <p:nvPicPr>
           <p:cNvPr id="73" name="Picture 3" descr="C:\Users\GLTM5861\Desktop\new icons\Data_Protection.png"/>
@@ -5962,7 +5812,7 @@
         </p:blipFill>
         <p:spPr bwMode="auto">
           <a:xfrm>
-            <a:off x="2335628" y="3346176"/>
+            <a:off x="2732056" y="3346176"/>
             <a:ext cx="246584" cy="246584"/>
           </a:xfrm>
           <a:prstGeom prst="rect">
@@ -5980,162 +5830,6 @@
           </a:extLst>
         </p:spPr>
       </p:pic>
-      <p:grpSp>
-        <p:nvGrpSpPr>
-          <p:cNvPr id="22" name="Groupe 21"/>
-          <p:cNvGrpSpPr/>
-          <p:nvPr/>
-        </p:nvGrpSpPr>
-        <p:grpSpPr>
-          <a:xfrm>
-            <a:off x="1388899" y="2506762"/>
-            <a:ext cx="1654772" cy="258574"/>
-            <a:chOff x="346677" y="2123122"/>
-            <a:chExt cx="1654772" cy="258574"/>
-          </a:xfrm>
-        </p:grpSpPr>
-        <p:sp>
-          <p:nvSpPr>
-            <p:cNvPr id="63" name="Rectangle 62"/>
-            <p:cNvSpPr/>
-            <p:nvPr/>
-          </p:nvSpPr>
-          <p:spPr>
-            <a:xfrm>
-              <a:off x="346677" y="2123122"/>
-              <a:ext cx="1654772" cy="258574"/>
-            </a:xfrm>
-            <a:prstGeom prst="rect">
-              <a:avLst/>
-            </a:prstGeom>
-            <a:noFill/>
-            <a:ln>
-              <a:solidFill>
-                <a:srgbClr val="000000"/>
-              </a:solidFill>
-            </a:ln>
-          </p:spPr>
-          <p:style>
-            <a:lnRef idx="2">
-              <a:schemeClr val="accent3">
-                <a:shade val="50000"/>
-              </a:schemeClr>
-            </a:lnRef>
-            <a:fillRef idx="1">
-              <a:schemeClr val="accent3"/>
-            </a:fillRef>
-            <a:effectRef idx="0">
-              <a:schemeClr val="accent3"/>
-            </a:effectRef>
-            <a:fontRef idx="minor">
-              <a:schemeClr val="lt1"/>
-            </a:fontRef>
-          </p:style>
-          <p:txBody>
-            <a:bodyPr rtlCol="0" anchor="ctr"/>
-            <a:lstStyle/>
-            <a:p>
-              <a:pPr algn="ctr"/>
-              <a:r>
-                <a:rPr lang="fr-FR" sz="1200" dirty="0" err="1" smtClean="0">
-                  <a:solidFill>
-                    <a:srgbClr val="000000"/>
-                  </a:solidFill>
-                  <a:latin typeface="CMU Sans Serif" panose="02000603000000000000" pitchFamily="2" charset="0"/>
-                  <a:ea typeface="CMU Sans Serif" panose="02000603000000000000" pitchFamily="2" charset="0"/>
-                  <a:cs typeface="CMU Sans Serif" panose="02000603000000000000" pitchFamily="2" charset="0"/>
-                </a:rPr>
-                <a:t>Token</a:t>
-              </a:r>
-              <a:r>
-                <a:rPr lang="fr-FR" sz="1200" dirty="0" smtClean="0">
-                  <a:solidFill>
-                    <a:srgbClr val="000000"/>
-                  </a:solidFill>
-                  <a:latin typeface="CMU Sans Serif" panose="02000603000000000000" pitchFamily="2" charset="0"/>
-                  <a:ea typeface="CMU Sans Serif" panose="02000603000000000000" pitchFamily="2" charset="0"/>
-                  <a:cs typeface="CMU Sans Serif" panose="02000603000000000000" pitchFamily="2" charset="0"/>
-                </a:rPr>
-                <a:t> </a:t>
-              </a:r>
-              <a:r>
-                <a:rPr lang="fr-FR" sz="1200" dirty="0" err="1" smtClean="0">
-                  <a:solidFill>
-                    <a:srgbClr val="000000"/>
-                  </a:solidFill>
-                  <a:latin typeface="CMU Sans Serif" panose="02000603000000000000" pitchFamily="2" charset="0"/>
-                  <a:ea typeface="CMU Sans Serif" panose="02000603000000000000" pitchFamily="2" charset="0"/>
-                  <a:cs typeface="CMU Sans Serif" panose="02000603000000000000" pitchFamily="2" charset="0"/>
-                </a:rPr>
-                <a:t>generator</a:t>
-              </a:r>
-              <a:endParaRPr lang="fr-FR" sz="1200" dirty="0" smtClean="0">
-                <a:solidFill>
-                  <a:srgbClr val="000000"/>
-                </a:solidFill>
-                <a:latin typeface="CMU Sans Serif" panose="02000603000000000000" pitchFamily="2" charset="0"/>
-                <a:ea typeface="CMU Sans Serif" panose="02000603000000000000" pitchFamily="2" charset="0"/>
-                <a:cs typeface="CMU Sans Serif" panose="02000603000000000000" pitchFamily="2" charset="0"/>
-              </a:endParaRPr>
-            </a:p>
-          </p:txBody>
-        </p:sp>
-        <p:pic>
-          <p:nvPicPr>
-            <p:cNvPr id="1026" name="Picture 2"/>
-            <p:cNvPicPr>
-              <a:picLocks noChangeAspect="1" noChangeArrowheads="1"/>
-            </p:cNvPicPr>
-            <p:nvPr/>
-          </p:nvPicPr>
-          <p:blipFill>
-            <a:blip r:embed="rId3" cstate="print">
-              <a:biLevel thresh="75000"/>
-              <a:extLst>
-                <a:ext uri="{28A0092B-C50C-407E-A947-70E740481C1C}">
-                  <a14:useLocalDpi xmlns:a14="http://schemas.microsoft.com/office/drawing/2010/main" val="0"/>
-                </a:ext>
-              </a:extLst>
-            </a:blip>
-            <a:srcRect/>
-            <a:stretch>
-              <a:fillRect/>
-            </a:stretch>
-          </p:blipFill>
-          <p:spPr bwMode="auto">
-            <a:xfrm>
-              <a:off x="379968" y="2154595"/>
-              <a:ext cx="195628" cy="195628"/>
-            </a:xfrm>
-            <a:prstGeom prst="rect">
-              <a:avLst/>
-            </a:prstGeom>
-            <a:noFill/>
-            <a:ln>
-              <a:noFill/>
-            </a:ln>
-            <a:extLst>
-              <a:ext uri="{909E8E84-426E-40DD-AFC4-6F175D3DCCD1}">
-                <a14:hiddenFill xmlns:a14="http://schemas.microsoft.com/office/drawing/2010/main">
-                  <a:solidFill>
-                    <a:schemeClr val="accent1"/>
-                  </a:solidFill>
-                </a14:hiddenFill>
-              </a:ext>
-              <a:ext uri="{91240B29-F687-4F45-9708-019B960494DF}">
-                <a14:hiddenLine xmlns:a14="http://schemas.microsoft.com/office/drawing/2010/main" w="9525">
-                  <a:solidFill>
-                    <a:schemeClr val="tx1"/>
-                  </a:solidFill>
-                  <a:miter lim="800000"/>
-                  <a:headEnd/>
-                  <a:tailEnd/>
-                </a14:hiddenLine>
-              </a:ext>
-            </a:extLst>
-          </p:spPr>
-        </p:pic>
-      </p:grpSp>
       <p:pic>
         <p:nvPicPr>
           <p:cNvPr id="74" name="Picture 2"/>
@@ -6160,7 +5854,7 @@
         </p:blipFill>
         <p:spPr bwMode="auto">
           <a:xfrm>
-            <a:off x="2832390" y="3371654"/>
+            <a:off x="3228818" y="3371654"/>
             <a:ext cx="195628" cy="195628"/>
           </a:xfrm>
           <a:prstGeom prst="rect">
@@ -6191,148 +5885,6 @@
           </a:extLst>
         </p:spPr>
       </p:pic>
-      <p:grpSp>
-        <p:nvGrpSpPr>
-          <p:cNvPr id="17" name="Groupe 16"/>
-          <p:cNvGrpSpPr/>
-          <p:nvPr/>
-        </p:nvGrpSpPr>
-        <p:grpSpPr>
-          <a:xfrm>
-            <a:off x="1385342" y="1269516"/>
-            <a:ext cx="1661166" cy="259247"/>
-            <a:chOff x="348095" y="368079"/>
-            <a:chExt cx="1661166" cy="259247"/>
-          </a:xfrm>
-        </p:grpSpPr>
-        <p:sp>
-          <p:nvSpPr>
-            <p:cNvPr id="60" name="Rectangle 59"/>
-            <p:cNvSpPr/>
-            <p:nvPr/>
-          </p:nvSpPr>
-          <p:spPr>
-            <a:xfrm>
-              <a:off x="354489" y="368079"/>
-              <a:ext cx="1654772" cy="258574"/>
-            </a:xfrm>
-            <a:prstGeom prst="rect">
-              <a:avLst/>
-            </a:prstGeom>
-            <a:noFill/>
-            <a:ln>
-              <a:solidFill>
-                <a:srgbClr val="000000"/>
-              </a:solidFill>
-            </a:ln>
-          </p:spPr>
-          <p:style>
-            <a:lnRef idx="2">
-              <a:schemeClr val="accent3">
-                <a:shade val="50000"/>
-              </a:schemeClr>
-            </a:lnRef>
-            <a:fillRef idx="1">
-              <a:schemeClr val="accent3"/>
-            </a:fillRef>
-            <a:effectRef idx="0">
-              <a:schemeClr val="accent3"/>
-            </a:effectRef>
-            <a:fontRef idx="minor">
-              <a:schemeClr val="lt1"/>
-            </a:fontRef>
-          </p:style>
-          <p:txBody>
-            <a:bodyPr rtlCol="0" anchor="ctr"/>
-            <a:lstStyle/>
-            <a:p>
-              <a:pPr algn="ctr"/>
-              <a:r>
-                <a:rPr lang="fr-FR" sz="1200" dirty="0" smtClean="0">
-                  <a:solidFill>
-                    <a:srgbClr val="000000"/>
-                  </a:solidFill>
-                  <a:latin typeface="CMU Sans Serif" panose="02000603000000000000" pitchFamily="2" charset="0"/>
-                  <a:ea typeface="CMU Sans Serif" panose="02000603000000000000" pitchFamily="2" charset="0"/>
-                  <a:cs typeface="CMU Sans Serif" panose="02000603000000000000" pitchFamily="2" charset="0"/>
-                </a:rPr>
-                <a:t>Admin </a:t>
-              </a:r>
-              <a:r>
-                <a:rPr lang="fr-FR" sz="1200" dirty="0" err="1" smtClean="0">
-                  <a:solidFill>
-                    <a:srgbClr val="000000"/>
-                  </a:solidFill>
-                  <a:latin typeface="CMU Sans Serif" panose="02000603000000000000" pitchFamily="2" charset="0"/>
-                  <a:ea typeface="CMU Sans Serif" panose="02000603000000000000" pitchFamily="2" charset="0"/>
-                  <a:cs typeface="CMU Sans Serif" panose="02000603000000000000" pitchFamily="2" charset="0"/>
-                </a:rPr>
-                <a:t>app</a:t>
-              </a:r>
-              <a:r>
-                <a:rPr lang="fr-FR" sz="1200" dirty="0" smtClean="0">
-                  <a:solidFill>
-                    <a:srgbClr val="000000"/>
-                  </a:solidFill>
-                  <a:latin typeface="CMU Sans Serif" panose="02000603000000000000" pitchFamily="2" charset="0"/>
-                  <a:ea typeface="CMU Sans Serif" panose="02000603000000000000" pitchFamily="2" charset="0"/>
-                  <a:cs typeface="CMU Sans Serif" panose="02000603000000000000" pitchFamily="2" charset="0"/>
-                </a:rPr>
-                <a:t> (master)</a:t>
-              </a:r>
-              <a:endParaRPr lang="fr-FR" sz="1200" dirty="0" smtClean="0">
-                <a:solidFill>
-                  <a:srgbClr val="000000"/>
-                </a:solidFill>
-                <a:latin typeface="CMU Sans Serif" panose="02000603000000000000" pitchFamily="2" charset="0"/>
-                <a:ea typeface="CMU Sans Serif" panose="02000603000000000000" pitchFamily="2" charset="0"/>
-                <a:cs typeface="CMU Sans Serif" panose="02000603000000000000" pitchFamily="2" charset="0"/>
-              </a:endParaRPr>
-            </a:p>
-          </p:txBody>
-        </p:sp>
-        <p:pic>
-          <p:nvPicPr>
-            <p:cNvPr id="75" name="Picture 2" descr="http://interaction.brand.orange.com/sites/default/files/Administrator.png"/>
-            <p:cNvPicPr>
-              <a:picLocks noChangeAspect="1" noChangeArrowheads="1"/>
-            </p:cNvPicPr>
-            <p:nvPr/>
-          </p:nvPicPr>
-          <p:blipFill>
-            <a:blip r:embed="rId4" cstate="print">
-              <a:extLst>
-                <a:ext uri="{28A0092B-C50C-407E-A947-70E740481C1C}">
-                  <a14:useLocalDpi xmlns:a14="http://schemas.microsoft.com/office/drawing/2010/main" val="0"/>
-                </a:ext>
-              </a:extLst>
-            </a:blip>
-            <a:srcRect/>
-            <a:stretch>
-              <a:fillRect/>
-            </a:stretch>
-          </p:blipFill>
-          <p:spPr bwMode="auto">
-            <a:xfrm>
-              <a:off x="348095" y="378926"/>
-              <a:ext cx="248400" cy="248400"/>
-            </a:xfrm>
-            <a:prstGeom prst="rect">
-              <a:avLst/>
-            </a:prstGeom>
-            <a:noFill/>
-            <a:extLst>
-              <a:ext uri="{909E8E84-426E-40DD-AFC4-6F175D3DCCD1}">
-                <a14:hiddenFill xmlns:a14="http://schemas.microsoft.com/office/drawing/2010/main">
-                  <a:solidFill>
-                    <a:srgbClr val="FFFFFF"/>
-                  </a:solidFill>
-                </a14:hiddenFill>
-              </a:ext>
-            </a:extLst>
-          </p:spPr>
-        </p:pic>
-      </p:grpSp>
       <p:pic>
         <p:nvPicPr>
           <p:cNvPr id="76" name="Picture 2" descr="http://interaction.brand.orange.com/sites/default/files/Administrator.png"/>
@@ -6356,7 +5908,7 @@
         </p:blipFill>
         <p:spPr bwMode="auto">
           <a:xfrm>
-            <a:off x="1386942" y="3345268"/>
+            <a:off x="1783370" y="3345268"/>
             <a:ext cx="248400" cy="248400"/>
           </a:xfrm>
           <a:prstGeom prst="rect">
@@ -6374,126 +5926,6 @@
           </a:extLst>
         </p:spPr>
       </p:pic>
-      <p:grpSp>
-        <p:nvGrpSpPr>
-          <p:cNvPr id="20" name="Groupe 19"/>
-          <p:cNvGrpSpPr/>
-          <p:nvPr/>
-        </p:nvGrpSpPr>
-        <p:grpSpPr>
-          <a:xfrm>
-            <a:off x="1382108" y="598563"/>
-            <a:ext cx="1662981" cy="258948"/>
-            <a:chOff x="346280" y="955562"/>
-            <a:chExt cx="1662981" cy="258948"/>
-          </a:xfrm>
-        </p:grpSpPr>
-        <p:sp>
-          <p:nvSpPr>
-            <p:cNvPr id="61" name="Rectangle 60"/>
-            <p:cNvSpPr/>
-            <p:nvPr/>
-          </p:nvSpPr>
-          <p:spPr>
-            <a:xfrm>
-              <a:off x="354489" y="955936"/>
-              <a:ext cx="1654772" cy="258574"/>
-            </a:xfrm>
-            <a:prstGeom prst="rect">
-              <a:avLst/>
-            </a:prstGeom>
-            <a:noFill/>
-            <a:ln>
-              <a:solidFill>
-                <a:srgbClr val="000000"/>
-              </a:solidFill>
-            </a:ln>
-          </p:spPr>
-          <p:style>
-            <a:lnRef idx="2">
-              <a:schemeClr val="accent3">
-                <a:shade val="50000"/>
-              </a:schemeClr>
-            </a:lnRef>
-            <a:fillRef idx="1">
-              <a:schemeClr val="accent3"/>
-            </a:fillRef>
-            <a:effectRef idx="0">
-              <a:schemeClr val="accent3"/>
-            </a:effectRef>
-            <a:fontRef idx="minor">
-              <a:schemeClr val="lt1"/>
-            </a:fontRef>
-          </p:style>
-          <p:txBody>
-            <a:bodyPr rtlCol="0" anchor="ctr"/>
-            <a:lstStyle/>
-            <a:p>
-              <a:pPr algn="ctr"/>
-              <a:r>
-                <a:rPr lang="fr-FR" sz="1200" dirty="0" err="1" smtClean="0">
-                  <a:solidFill>
-                    <a:srgbClr val="000000"/>
-                  </a:solidFill>
-                  <a:latin typeface="CMU Sans Serif" panose="02000603000000000000" pitchFamily="2" charset="0"/>
-                  <a:ea typeface="CMU Sans Serif" panose="02000603000000000000" pitchFamily="2" charset="0"/>
-                  <a:cs typeface="CMU Sans Serif" panose="02000603000000000000" pitchFamily="2" charset="0"/>
-                </a:rPr>
-                <a:t>Authenticator</a:t>
-              </a:r>
-              <a:endParaRPr lang="fr-FR" sz="1200" dirty="0" smtClean="0">
-                <a:solidFill>
-                  <a:srgbClr val="000000"/>
-                </a:solidFill>
-                <a:latin typeface="CMU Sans Serif" panose="02000603000000000000" pitchFamily="2" charset="0"/>
-                <a:ea typeface="CMU Sans Serif" panose="02000603000000000000" pitchFamily="2" charset="0"/>
-                <a:cs typeface="CMU Sans Serif" panose="02000603000000000000" pitchFamily="2" charset="0"/>
-              </a:endParaRPr>
-            </a:p>
-          </p:txBody>
-        </p:sp>
-        <p:pic>
-          <p:nvPicPr>
-            <p:cNvPr id="77" name="Picture 16" descr="http://interaction.brand.orange.com/sites/default/files/Unlocked.png"/>
-            <p:cNvPicPr>
-              <a:picLocks noChangeAspect="1" noChangeArrowheads="1"/>
-            </p:cNvPicPr>
-            <p:nvPr/>
-          </p:nvPicPr>
-          <p:blipFill>
-            <a:blip r:embed="rId5" cstate="print">
-              <a:extLst>
-                <a:ext uri="{28A0092B-C50C-407E-A947-70E740481C1C}">
-                  <a14:useLocalDpi xmlns:a14="http://schemas.microsoft.com/office/drawing/2010/main" val="0"/>
-                </a:ext>
-              </a:extLst>
-            </a:blip>
-            <a:srcRect/>
-            <a:stretch>
-              <a:fillRect/>
-            </a:stretch>
-          </p:blipFill>
-          <p:spPr bwMode="auto">
-            <a:xfrm>
-              <a:off x="346280" y="955562"/>
-              <a:ext cx="248400" cy="248400"/>
-            </a:xfrm>
-            <a:prstGeom prst="rect">
-              <a:avLst/>
-            </a:prstGeom>
-            <a:noFill/>
-            <a:extLst>
-              <a:ext uri="{909E8E84-426E-40DD-AFC4-6F175D3DCCD1}">
-                <a14:hiddenFill xmlns:a14="http://schemas.microsoft.com/office/drawing/2010/main">
-                  <a:solidFill>
-                    <a:srgbClr val="FFFFFF"/>
-                  </a:solidFill>
-                </a14:hiddenFill>
-              </a:ext>
-            </a:extLst>
-          </p:spPr>
-        </p:pic>
-      </p:grpSp>
       <p:pic>
         <p:nvPicPr>
           <p:cNvPr id="78" name="Picture 16" descr="http://interaction.brand.orange.com/sites/default/files/Unlocked.png"/>
@@ -6517,7 +5949,7 @@
         </p:blipFill>
         <p:spPr bwMode="auto">
           <a:xfrm>
-            <a:off x="1841439" y="3345268"/>
+            <a:off x="2237867" y="3345268"/>
             <a:ext cx="248400" cy="248400"/>
           </a:xfrm>
           <a:prstGeom prst="rect">
@@ -6558,7 +5990,7 @@
         </p:blipFill>
         <p:spPr bwMode="auto">
           <a:xfrm>
-            <a:off x="2335628" y="3969782"/>
+            <a:off x="2732056" y="3969782"/>
             <a:ext cx="246584" cy="246584"/>
           </a:xfrm>
           <a:prstGeom prst="rect">
@@ -6600,7 +6032,7 @@
         </p:blipFill>
         <p:spPr bwMode="auto">
           <a:xfrm>
-            <a:off x="2832390" y="3995260"/>
+            <a:off x="3228818" y="3995260"/>
             <a:ext cx="195628" cy="195628"/>
           </a:xfrm>
           <a:prstGeom prst="rect">
@@ -6654,7 +6086,7 @@
         </p:blipFill>
         <p:spPr bwMode="auto">
           <a:xfrm>
-            <a:off x="1386942" y="3968874"/>
+            <a:off x="1783370" y="3968874"/>
             <a:ext cx="248400" cy="248400"/>
           </a:xfrm>
           <a:prstGeom prst="rect">
@@ -6695,7 +6127,7 @@
         </p:blipFill>
         <p:spPr bwMode="auto">
           <a:xfrm>
-            <a:off x="1841439" y="3968874"/>
+            <a:off x="2237867" y="3968874"/>
             <a:ext cx="248400" cy="248400"/>
           </a:xfrm>
           <a:prstGeom prst="rect">
@@ -6721,8 +6153,8 @@
         </p:nvSpPr>
         <p:spPr>
           <a:xfrm>
-            <a:off x="562751" y="1592123"/>
-            <a:ext cx="672668" cy="174786"/>
+            <a:off x="1336431" y="1592123"/>
+            <a:ext cx="448872" cy="174786"/>
           </a:xfrm>
           <a:prstGeom prst="rightArrow">
             <a:avLst/>
@@ -6770,8 +6202,8 @@
           <p:nvPr/>
         </p:nvSpPr>
         <p:spPr>
-          <a:xfrm>
-            <a:off x="562751" y="1404563"/>
+          <a:xfrm rot="16200000">
+            <a:off x="1234590" y="1230324"/>
             <a:ext cx="596317" cy="169277"/>
           </a:xfrm>
           <a:prstGeom prst="rect">
@@ -6803,11 +6235,14 @@
         </p:nvSpPr>
         <p:spPr>
           <a:xfrm rot="1701862">
-            <a:off x="3087065" y="3141708"/>
-            <a:ext cx="1321892" cy="174786"/>
+            <a:off x="3350108" y="3062364"/>
+            <a:ext cx="1042050" cy="174786"/>
           </a:xfrm>
           <a:prstGeom prst="rightArrow">
-            <a:avLst/>
+            <a:avLst>
+              <a:gd name="adj1" fmla="val 39571"/>
+              <a:gd name="adj2" fmla="val 50000"/>
+            </a:avLst>
           </a:prstGeom>
           <a:solidFill>
             <a:schemeClr val="tx1"/>
@@ -6852,9 +6287,9 @@
           <p:nvPr/>
         </p:nvSpPr>
         <p:spPr>
-          <a:xfrm>
-            <a:off x="3202461" y="2808670"/>
-            <a:ext cx="781172" cy="338554"/>
+          <a:xfrm rot="16200000">
+            <a:off x="3179410" y="2495173"/>
+            <a:ext cx="1271671" cy="169277"/>
           </a:xfrm>
           <a:prstGeom prst="rect">
             <a:avLst/>
@@ -7066,6 +6501,696 @@
           </a:fontRef>
         </p:style>
       </p:cxnSp>
+      <p:grpSp>
+        <p:nvGrpSpPr>
+          <p:cNvPr id="64" name="Groupe 63"/>
+          <p:cNvGrpSpPr/>
+          <p:nvPr/>
+        </p:nvGrpSpPr>
+        <p:grpSpPr>
+          <a:xfrm>
+            <a:off x="1828025" y="2347336"/>
+            <a:ext cx="1654772" cy="258574"/>
+            <a:chOff x="346677" y="1536563"/>
+            <a:chExt cx="1654772" cy="258574"/>
+          </a:xfrm>
+          <a:solidFill>
+            <a:schemeClr val="bg1">
+              <a:lumMod val="75000"/>
+            </a:schemeClr>
+          </a:solidFill>
+        </p:grpSpPr>
+        <p:sp>
+          <p:nvSpPr>
+            <p:cNvPr id="65" name="Rectangle 64"/>
+            <p:cNvSpPr/>
+            <p:nvPr/>
+          </p:nvSpPr>
+          <p:spPr>
+            <a:xfrm>
+              <a:off x="346677" y="1536563"/>
+              <a:ext cx="1654772" cy="258574"/>
+            </a:xfrm>
+            <a:prstGeom prst="rect">
+              <a:avLst/>
+            </a:prstGeom>
+            <a:grpFill/>
+            <a:ln>
+              <a:solidFill>
+                <a:srgbClr val="000000"/>
+              </a:solidFill>
+            </a:ln>
+          </p:spPr>
+          <p:style>
+            <a:lnRef idx="2">
+              <a:schemeClr val="accent3">
+                <a:shade val="50000"/>
+              </a:schemeClr>
+            </a:lnRef>
+            <a:fillRef idx="1">
+              <a:schemeClr val="accent3"/>
+            </a:fillRef>
+            <a:effectRef idx="0">
+              <a:schemeClr val="accent3"/>
+            </a:effectRef>
+            <a:fontRef idx="minor">
+              <a:schemeClr val="lt1"/>
+            </a:fontRef>
+          </p:style>
+          <p:txBody>
+            <a:bodyPr rtlCol="0" anchor="ctr"/>
+            <a:lstStyle/>
+            <a:p>
+              <a:pPr algn="ctr"/>
+              <a:r>
+                <a:rPr lang="fr-FR" sz="1200" dirty="0" smtClean="0">
+                  <a:solidFill>
+                    <a:srgbClr val="000000"/>
+                  </a:solidFill>
+                  <a:latin typeface="CMU Sans Serif" panose="02000603000000000000" pitchFamily="2" charset="0"/>
+                  <a:ea typeface="CMU Sans Serif" panose="02000603000000000000" pitchFamily="2" charset="0"/>
+                  <a:cs typeface="CMU Sans Serif" panose="02000603000000000000" pitchFamily="2" charset="0"/>
+                </a:rPr>
+                <a:t>PEP-</a:t>
+              </a:r>
+              <a:r>
+                <a:rPr lang="fr-FR" sz="1200" dirty="0" err="1" smtClean="0">
+                  <a:solidFill>
+                    <a:srgbClr val="000000"/>
+                  </a:solidFill>
+                  <a:latin typeface="CMU Sans Serif" panose="02000603000000000000" pitchFamily="2" charset="0"/>
+                  <a:ea typeface="CMU Sans Serif" panose="02000603000000000000" pitchFamily="2" charset="0"/>
+                  <a:cs typeface="CMU Sans Serif" panose="02000603000000000000" pitchFamily="2" charset="0"/>
+                </a:rPr>
+                <a:t>Backend</a:t>
+              </a:r>
+              <a:r>
+                <a:rPr lang="fr-FR" sz="1200" dirty="0" smtClean="0">
+                  <a:solidFill>
+                    <a:srgbClr val="000000"/>
+                  </a:solidFill>
+                  <a:latin typeface="CMU Sans Serif" panose="02000603000000000000" pitchFamily="2" charset="0"/>
+                  <a:ea typeface="CMU Sans Serif" panose="02000603000000000000" pitchFamily="2" charset="0"/>
+                  <a:cs typeface="CMU Sans Serif" panose="02000603000000000000" pitchFamily="2" charset="0"/>
+                </a:rPr>
+                <a:t> </a:t>
+              </a:r>
+              <a:r>
+                <a:rPr lang="fr-FR" sz="1200" dirty="0" err="1" smtClean="0">
+                  <a:solidFill>
+                    <a:srgbClr val="000000"/>
+                  </a:solidFill>
+                  <a:latin typeface="CMU Sans Serif" panose="02000603000000000000" pitchFamily="2" charset="0"/>
+                  <a:ea typeface="CMU Sans Serif" panose="02000603000000000000" pitchFamily="2" charset="0"/>
+                  <a:cs typeface="CMU Sans Serif" panose="02000603000000000000" pitchFamily="2" charset="0"/>
+                </a:rPr>
+                <a:t>app</a:t>
+              </a:r>
+              <a:endParaRPr lang="fr-FR" sz="1200" dirty="0" smtClean="0">
+                <a:solidFill>
+                  <a:srgbClr val="000000"/>
+                </a:solidFill>
+                <a:latin typeface="CMU Sans Serif" panose="02000603000000000000" pitchFamily="2" charset="0"/>
+                <a:ea typeface="CMU Sans Serif" panose="02000603000000000000" pitchFamily="2" charset="0"/>
+                <a:cs typeface="CMU Sans Serif" panose="02000603000000000000" pitchFamily="2" charset="0"/>
+              </a:endParaRPr>
+            </a:p>
+          </p:txBody>
+        </p:sp>
+        <p:pic>
+          <p:nvPicPr>
+            <p:cNvPr id="66" name="Picture 3" descr="C:\Users\GLTM5861\Desktop\new icons\Data_Protection.png"/>
+            <p:cNvPicPr>
+              <a:picLocks noChangeAspect="1" noChangeArrowheads="1"/>
+            </p:cNvPicPr>
+            <p:nvPr/>
+          </p:nvPicPr>
+          <p:blipFill>
+            <a:blip r:embed="rId2" cstate="print">
+              <a:extLst>
+                <a:ext uri="{28A0092B-C50C-407E-A947-70E740481C1C}">
+                  <a14:useLocalDpi xmlns:a14="http://schemas.microsoft.com/office/drawing/2010/main" val="0"/>
+                </a:ext>
+              </a:extLst>
+            </a:blip>
+            <a:srcRect/>
+            <a:stretch>
+              <a:fillRect/>
+            </a:stretch>
+          </p:blipFill>
+          <p:spPr bwMode="auto">
+            <a:xfrm>
+              <a:off x="354490" y="1548553"/>
+              <a:ext cx="234000" cy="234000"/>
+            </a:xfrm>
+            <a:prstGeom prst="rect">
+              <a:avLst/>
+            </a:prstGeom>
+            <a:grpFill/>
+            <a:extLst>
+              <a:ext uri="{909E8E84-426E-40DD-AFC4-6F175D3DCCD1}">
+                <a14:hiddenFill xmlns:a14="http://schemas.microsoft.com/office/drawing/2010/main">
+                  <a:solidFill>
+                    <a:srgbClr val="FFFFFF"/>
+                  </a:solidFill>
+                </a14:hiddenFill>
+              </a:ext>
+            </a:extLst>
+          </p:spPr>
+        </p:pic>
+      </p:grpSp>
+      <p:grpSp>
+        <p:nvGrpSpPr>
+          <p:cNvPr id="67" name="Groupe 66"/>
+          <p:cNvGrpSpPr/>
+          <p:nvPr/>
+        </p:nvGrpSpPr>
+        <p:grpSpPr>
+          <a:xfrm>
+            <a:off x="1841005" y="651396"/>
+            <a:ext cx="1654772" cy="258574"/>
+            <a:chOff x="346677" y="2123122"/>
+            <a:chExt cx="1654772" cy="258574"/>
+          </a:xfrm>
+          <a:solidFill>
+            <a:schemeClr val="bg1">
+              <a:lumMod val="75000"/>
+            </a:schemeClr>
+          </a:solidFill>
+        </p:grpSpPr>
+        <p:sp>
+          <p:nvSpPr>
+            <p:cNvPr id="68" name="Rectangle 67"/>
+            <p:cNvSpPr/>
+            <p:nvPr/>
+          </p:nvSpPr>
+          <p:spPr>
+            <a:xfrm>
+              <a:off x="346677" y="2123122"/>
+              <a:ext cx="1654772" cy="258574"/>
+            </a:xfrm>
+            <a:prstGeom prst="rect">
+              <a:avLst/>
+            </a:prstGeom>
+            <a:grpFill/>
+            <a:ln>
+              <a:solidFill>
+                <a:srgbClr val="000000"/>
+              </a:solidFill>
+            </a:ln>
+          </p:spPr>
+          <p:style>
+            <a:lnRef idx="2">
+              <a:schemeClr val="accent3">
+                <a:shade val="50000"/>
+              </a:schemeClr>
+            </a:lnRef>
+            <a:fillRef idx="1">
+              <a:schemeClr val="accent3"/>
+            </a:fillRef>
+            <a:effectRef idx="0">
+              <a:schemeClr val="accent3"/>
+            </a:effectRef>
+            <a:fontRef idx="minor">
+              <a:schemeClr val="lt1"/>
+            </a:fontRef>
+          </p:style>
+          <p:txBody>
+            <a:bodyPr rtlCol="0" anchor="ctr"/>
+            <a:lstStyle/>
+            <a:p>
+              <a:pPr algn="ctr"/>
+              <a:r>
+                <a:rPr lang="fr-FR" sz="1200" dirty="0" err="1" smtClean="0">
+                  <a:solidFill>
+                    <a:srgbClr val="000000"/>
+                  </a:solidFill>
+                  <a:latin typeface="CMU Sans Serif" panose="02000603000000000000" pitchFamily="2" charset="0"/>
+                  <a:ea typeface="CMU Sans Serif" panose="02000603000000000000" pitchFamily="2" charset="0"/>
+                  <a:cs typeface="CMU Sans Serif" panose="02000603000000000000" pitchFamily="2" charset="0"/>
+                </a:rPr>
+                <a:t>Token</a:t>
+              </a:r>
+              <a:r>
+                <a:rPr lang="fr-FR" sz="1200" dirty="0" smtClean="0">
+                  <a:solidFill>
+                    <a:srgbClr val="000000"/>
+                  </a:solidFill>
+                  <a:latin typeface="CMU Sans Serif" panose="02000603000000000000" pitchFamily="2" charset="0"/>
+                  <a:ea typeface="CMU Sans Serif" panose="02000603000000000000" pitchFamily="2" charset="0"/>
+                  <a:cs typeface="CMU Sans Serif" panose="02000603000000000000" pitchFamily="2" charset="0"/>
+                </a:rPr>
+                <a:t> </a:t>
+              </a:r>
+              <a:r>
+                <a:rPr lang="fr-FR" sz="1200" dirty="0" err="1" smtClean="0">
+                  <a:solidFill>
+                    <a:srgbClr val="000000"/>
+                  </a:solidFill>
+                  <a:latin typeface="CMU Sans Serif" panose="02000603000000000000" pitchFamily="2" charset="0"/>
+                  <a:ea typeface="CMU Sans Serif" panose="02000603000000000000" pitchFamily="2" charset="0"/>
+                  <a:cs typeface="CMU Sans Serif" panose="02000603000000000000" pitchFamily="2" charset="0"/>
+                </a:rPr>
+                <a:t>generator</a:t>
+              </a:r>
+              <a:endParaRPr lang="fr-FR" sz="1200" dirty="0" smtClean="0">
+                <a:solidFill>
+                  <a:srgbClr val="000000"/>
+                </a:solidFill>
+                <a:latin typeface="CMU Sans Serif" panose="02000603000000000000" pitchFamily="2" charset="0"/>
+                <a:ea typeface="CMU Sans Serif" panose="02000603000000000000" pitchFamily="2" charset="0"/>
+                <a:cs typeface="CMU Sans Serif" panose="02000603000000000000" pitchFamily="2" charset="0"/>
+              </a:endParaRPr>
+            </a:p>
+          </p:txBody>
+        </p:sp>
+        <p:pic>
+          <p:nvPicPr>
+            <p:cNvPr id="69" name="Picture 2"/>
+            <p:cNvPicPr>
+              <a:picLocks noChangeAspect="1" noChangeArrowheads="1"/>
+            </p:cNvPicPr>
+            <p:nvPr/>
+          </p:nvPicPr>
+          <p:blipFill>
+            <a:blip r:embed="rId3" cstate="print">
+              <a:biLevel thresh="75000"/>
+              <a:extLst>
+                <a:ext uri="{28A0092B-C50C-407E-A947-70E740481C1C}">
+                  <a14:useLocalDpi xmlns:a14="http://schemas.microsoft.com/office/drawing/2010/main" val="0"/>
+                </a:ext>
+              </a:extLst>
+            </a:blip>
+            <a:srcRect/>
+            <a:stretch>
+              <a:fillRect/>
+            </a:stretch>
+          </p:blipFill>
+          <p:spPr bwMode="auto">
+            <a:xfrm>
+              <a:off x="379968" y="2154595"/>
+              <a:ext cx="195628" cy="195628"/>
+            </a:xfrm>
+            <a:prstGeom prst="rect">
+              <a:avLst/>
+            </a:prstGeom>
+            <a:grpFill/>
+            <a:ln>
+              <a:noFill/>
+            </a:ln>
+            <a:extLst>
+              <a:ext uri="{909E8E84-426E-40DD-AFC4-6F175D3DCCD1}">
+                <a14:hiddenFill xmlns:a14="http://schemas.microsoft.com/office/drawing/2010/main">
+                  <a:solidFill>
+                    <a:schemeClr val="accent1"/>
+                  </a:solidFill>
+                </a14:hiddenFill>
+              </a:ext>
+              <a:ext uri="{91240B29-F687-4F45-9708-019B960494DF}">
+                <a14:hiddenLine xmlns:a14="http://schemas.microsoft.com/office/drawing/2010/main" w="9525">
+                  <a:solidFill>
+                    <a:schemeClr val="tx1"/>
+                  </a:solidFill>
+                  <a:miter lim="800000"/>
+                  <a:headEnd/>
+                  <a:tailEnd/>
+                </a14:hiddenLine>
+              </a:ext>
+            </a:extLst>
+          </p:spPr>
+        </p:pic>
+      </p:grpSp>
+      <p:grpSp>
+        <p:nvGrpSpPr>
+          <p:cNvPr id="70" name="Groupe 69"/>
+          <p:cNvGrpSpPr/>
+          <p:nvPr/>
+        </p:nvGrpSpPr>
+        <p:grpSpPr>
+          <a:xfrm>
+            <a:off x="1831222" y="1151739"/>
+            <a:ext cx="1654772" cy="258574"/>
+            <a:chOff x="354489" y="368079"/>
+            <a:chExt cx="1654772" cy="258574"/>
+          </a:xfrm>
+          <a:solidFill>
+            <a:schemeClr val="bg1">
+              <a:lumMod val="75000"/>
+            </a:schemeClr>
+          </a:solidFill>
+        </p:grpSpPr>
+        <p:sp>
+          <p:nvSpPr>
+            <p:cNvPr id="71" name="Rectangle 70"/>
+            <p:cNvSpPr/>
+            <p:nvPr/>
+          </p:nvSpPr>
+          <p:spPr>
+            <a:xfrm>
+              <a:off x="354489" y="368079"/>
+              <a:ext cx="1654772" cy="258574"/>
+            </a:xfrm>
+            <a:prstGeom prst="rect">
+              <a:avLst/>
+            </a:prstGeom>
+            <a:grpFill/>
+            <a:ln>
+              <a:solidFill>
+                <a:srgbClr val="000000"/>
+              </a:solidFill>
+            </a:ln>
+          </p:spPr>
+          <p:style>
+            <a:lnRef idx="2">
+              <a:schemeClr val="accent3">
+                <a:shade val="50000"/>
+              </a:schemeClr>
+            </a:lnRef>
+            <a:fillRef idx="1">
+              <a:schemeClr val="accent3"/>
+            </a:fillRef>
+            <a:effectRef idx="0">
+              <a:schemeClr val="accent3"/>
+            </a:effectRef>
+            <a:fontRef idx="minor">
+              <a:schemeClr val="lt1"/>
+            </a:fontRef>
+          </p:style>
+          <p:txBody>
+            <a:bodyPr rtlCol="0" anchor="ctr"/>
+            <a:lstStyle/>
+            <a:p>
+              <a:pPr algn="ctr"/>
+              <a:r>
+                <a:rPr lang="fr-FR" sz="1200" dirty="0" smtClean="0">
+                  <a:solidFill>
+                    <a:srgbClr val="000000"/>
+                  </a:solidFill>
+                  <a:latin typeface="CMU Sans Serif" panose="02000603000000000000" pitchFamily="2" charset="0"/>
+                  <a:ea typeface="CMU Sans Serif" panose="02000603000000000000" pitchFamily="2" charset="0"/>
+                  <a:cs typeface="CMU Sans Serif" panose="02000603000000000000" pitchFamily="2" charset="0"/>
+                </a:rPr>
+                <a:t>PDP</a:t>
+              </a:r>
+              <a:endParaRPr lang="fr-FR" sz="1200" dirty="0" smtClean="0">
+                <a:solidFill>
+                  <a:srgbClr val="000000"/>
+                </a:solidFill>
+                <a:latin typeface="CMU Sans Serif" panose="02000603000000000000" pitchFamily="2" charset="0"/>
+                <a:ea typeface="CMU Sans Serif" panose="02000603000000000000" pitchFamily="2" charset="0"/>
+                <a:cs typeface="CMU Sans Serif" panose="02000603000000000000" pitchFamily="2" charset="0"/>
+              </a:endParaRPr>
+            </a:p>
+          </p:txBody>
+        </p:sp>
+        <p:pic>
+          <p:nvPicPr>
+            <p:cNvPr id="84" name="Picture 2" descr="http://interaction.brand.orange.com/sites/default/files/Administrator.png"/>
+            <p:cNvPicPr>
+              <a:picLocks noChangeAspect="1" noChangeArrowheads="1"/>
+            </p:cNvPicPr>
+            <p:nvPr/>
+          </p:nvPicPr>
+          <p:blipFill>
+            <a:blip r:embed="rId4" cstate="print">
+              <a:extLst>
+                <a:ext uri="{28A0092B-C50C-407E-A947-70E740481C1C}">
+                  <a14:useLocalDpi xmlns:a14="http://schemas.microsoft.com/office/drawing/2010/main" val="0"/>
+                </a:ext>
+              </a:extLst>
+            </a:blip>
+            <a:srcRect/>
+            <a:stretch>
+              <a:fillRect/>
+            </a:stretch>
+          </p:blipFill>
+          <p:spPr bwMode="auto">
+            <a:xfrm>
+              <a:off x="373671" y="385320"/>
+              <a:ext cx="215264" cy="215264"/>
+            </a:xfrm>
+            <a:prstGeom prst="rect">
+              <a:avLst/>
+            </a:prstGeom>
+            <a:grpFill/>
+            <a:extLst>
+              <a:ext uri="{909E8E84-426E-40DD-AFC4-6F175D3DCCD1}">
+                <a14:hiddenFill xmlns:a14="http://schemas.microsoft.com/office/drawing/2010/main">
+                  <a:solidFill>
+                    <a:srgbClr val="FFFFFF"/>
+                  </a:solidFill>
+                </a14:hiddenFill>
+              </a:ext>
+            </a:extLst>
+          </p:spPr>
+        </p:pic>
+      </p:grpSp>
+      <p:grpSp>
+        <p:nvGrpSpPr>
+          <p:cNvPr id="86" name="Groupe 85"/>
+          <p:cNvGrpSpPr/>
+          <p:nvPr/>
+        </p:nvGrpSpPr>
+        <p:grpSpPr>
+          <a:xfrm>
+            <a:off x="1840853" y="1685402"/>
+            <a:ext cx="1654772" cy="258574"/>
+            <a:chOff x="354489" y="955936"/>
+            <a:chExt cx="1654772" cy="258574"/>
+          </a:xfrm>
+          <a:solidFill>
+            <a:schemeClr val="bg1">
+              <a:lumMod val="75000"/>
+            </a:schemeClr>
+          </a:solidFill>
+        </p:grpSpPr>
+        <p:sp>
+          <p:nvSpPr>
+            <p:cNvPr id="87" name="Rectangle 86"/>
+            <p:cNvSpPr/>
+            <p:nvPr/>
+          </p:nvSpPr>
+          <p:spPr>
+            <a:xfrm>
+              <a:off x="354489" y="955936"/>
+              <a:ext cx="1654772" cy="258574"/>
+            </a:xfrm>
+            <a:prstGeom prst="rect">
+              <a:avLst/>
+            </a:prstGeom>
+            <a:grpFill/>
+            <a:ln>
+              <a:solidFill>
+                <a:srgbClr val="000000"/>
+              </a:solidFill>
+            </a:ln>
+          </p:spPr>
+          <p:style>
+            <a:lnRef idx="2">
+              <a:schemeClr val="accent3">
+                <a:shade val="50000"/>
+              </a:schemeClr>
+            </a:lnRef>
+            <a:fillRef idx="1">
+              <a:schemeClr val="accent3"/>
+            </a:fillRef>
+            <a:effectRef idx="0">
+              <a:schemeClr val="accent3"/>
+            </a:effectRef>
+            <a:fontRef idx="minor">
+              <a:schemeClr val="lt1"/>
+            </a:fontRef>
+          </p:style>
+          <p:txBody>
+            <a:bodyPr rtlCol="0" anchor="ctr"/>
+            <a:lstStyle/>
+            <a:p>
+              <a:pPr algn="ctr"/>
+              <a:r>
+                <a:rPr lang="fr-FR" sz="1200" dirty="0" err="1" smtClean="0">
+                  <a:solidFill>
+                    <a:srgbClr val="000000"/>
+                  </a:solidFill>
+                  <a:latin typeface="CMU Sans Serif" panose="02000603000000000000" pitchFamily="2" charset="0"/>
+                  <a:ea typeface="CMU Sans Serif" panose="02000603000000000000" pitchFamily="2" charset="0"/>
+                  <a:cs typeface="CMU Sans Serif" panose="02000603000000000000" pitchFamily="2" charset="0"/>
+                </a:rPr>
+                <a:t>Authenticator</a:t>
+              </a:r>
+              <a:endParaRPr lang="fr-FR" sz="1200" dirty="0" smtClean="0">
+                <a:solidFill>
+                  <a:srgbClr val="000000"/>
+                </a:solidFill>
+                <a:latin typeface="CMU Sans Serif" panose="02000603000000000000" pitchFamily="2" charset="0"/>
+                <a:ea typeface="CMU Sans Serif" panose="02000603000000000000" pitchFamily="2" charset="0"/>
+                <a:cs typeface="CMU Sans Serif" panose="02000603000000000000" pitchFamily="2" charset="0"/>
+              </a:endParaRPr>
+            </a:p>
+          </p:txBody>
+        </p:sp>
+        <p:pic>
+          <p:nvPicPr>
+            <p:cNvPr id="88" name="Picture 16" descr="http://interaction.brand.orange.com/sites/default/files/Unlocked.png"/>
+            <p:cNvPicPr>
+              <a:picLocks noChangeAspect="1" noChangeArrowheads="1"/>
+            </p:cNvPicPr>
+            <p:nvPr/>
+          </p:nvPicPr>
+          <p:blipFill>
+            <a:blip r:embed="rId5" cstate="print">
+              <a:extLst>
+                <a:ext uri="{28A0092B-C50C-407E-A947-70E740481C1C}">
+                  <a14:useLocalDpi xmlns:a14="http://schemas.microsoft.com/office/drawing/2010/main" val="0"/>
+                </a:ext>
+              </a:extLst>
+            </a:blip>
+            <a:srcRect/>
+            <a:stretch>
+              <a:fillRect/>
+            </a:stretch>
+          </p:blipFill>
+          <p:spPr bwMode="auto">
+            <a:xfrm>
+              <a:off x="371856" y="968350"/>
+              <a:ext cx="233024" cy="233024"/>
+            </a:xfrm>
+            <a:prstGeom prst="rect">
+              <a:avLst/>
+            </a:prstGeom>
+            <a:grpFill/>
+            <a:extLst>
+              <a:ext uri="{909E8E84-426E-40DD-AFC4-6F175D3DCCD1}">
+                <a14:hiddenFill xmlns:a14="http://schemas.microsoft.com/office/drawing/2010/main">
+                  <a:solidFill>
+                    <a:srgbClr val="FFFFFF"/>
+                  </a:solidFill>
+                </a14:hiddenFill>
+              </a:ext>
+            </a:extLst>
+          </p:spPr>
+        </p:pic>
+      </p:grpSp>
+      <p:sp>
+        <p:nvSpPr>
+          <p:cNvPr id="89" name="Rectangle 88"/>
+          <p:cNvSpPr/>
+          <p:nvPr/>
+        </p:nvSpPr>
+        <p:spPr>
+          <a:xfrm>
+            <a:off x="133018" y="1249245"/>
+            <a:ext cx="1154821" cy="727752"/>
+          </a:xfrm>
+          <a:prstGeom prst="rect">
+            <a:avLst/>
+          </a:prstGeom>
+          <a:solidFill>
+            <a:schemeClr val="bg1">
+              <a:lumMod val="85000"/>
+            </a:schemeClr>
+          </a:solidFill>
+          <a:ln>
+            <a:solidFill>
+              <a:srgbClr val="000000"/>
+            </a:solidFill>
+          </a:ln>
+        </p:spPr>
+        <p:style>
+          <a:lnRef idx="2">
+            <a:schemeClr val="dk1"/>
+          </a:lnRef>
+          <a:fillRef idx="1">
+            <a:schemeClr val="lt1"/>
+          </a:fillRef>
+          <a:effectRef idx="0">
+            <a:schemeClr val="dk1"/>
+          </a:effectRef>
+          <a:fontRef idx="minor">
+            <a:schemeClr val="dk1"/>
+          </a:fontRef>
+        </p:style>
+        <p:txBody>
+          <a:bodyPr rtlCol="0" anchor="t"/>
+          <a:lstStyle/>
+          <a:p>
+            <a:pPr algn="ctr"/>
+            <a:r>
+              <a:rPr lang="fr-FR" sz="1200" dirty="0" smtClean="0">
+                <a:solidFill>
+                  <a:srgbClr val="000000"/>
+                </a:solidFill>
+                <a:latin typeface="CMU Sans Serif" panose="02000603000000000000" pitchFamily="2" charset="0"/>
+                <a:ea typeface="CMU Sans Serif" panose="02000603000000000000" pitchFamily="2" charset="0"/>
+                <a:cs typeface="CMU Sans Serif" panose="02000603000000000000" pitchFamily="2" charset="0"/>
+              </a:rPr>
+              <a:t>Client </a:t>
+            </a:r>
+            <a:r>
+              <a:rPr lang="fr-FR" sz="1200" dirty="0">
+                <a:solidFill>
+                  <a:srgbClr val="000000"/>
+                </a:solidFill>
+                <a:latin typeface="CMU Sans Serif" panose="02000603000000000000" pitchFamily="2" charset="0"/>
+                <a:ea typeface="CMU Sans Serif" panose="02000603000000000000" pitchFamily="2" charset="0"/>
+                <a:cs typeface="CMU Sans Serif" panose="02000603000000000000" pitchFamily="2" charset="0"/>
+              </a:rPr>
+              <a:t>– </a:t>
+            </a:r>
+            <a:r>
+              <a:rPr lang="fr-FR" sz="1200" dirty="0" err="1" smtClean="0">
+                <a:solidFill>
+                  <a:srgbClr val="000000"/>
+                </a:solidFill>
+                <a:latin typeface="CMU Sans Serif" panose="02000603000000000000" pitchFamily="2" charset="0"/>
+                <a:ea typeface="CMU Sans Serif" panose="02000603000000000000" pitchFamily="2" charset="0"/>
+                <a:cs typeface="CMU Sans Serif" panose="02000603000000000000" pitchFamily="2" charset="0"/>
+              </a:rPr>
+              <a:t>Owner</a:t>
+            </a:r>
+            <a:r>
+              <a:rPr lang="fr-FR" sz="1200" dirty="0" smtClean="0">
+                <a:solidFill>
+                  <a:srgbClr val="000000"/>
+                </a:solidFill>
+                <a:latin typeface="CMU Sans Serif" panose="02000603000000000000" pitchFamily="2" charset="0"/>
+                <a:ea typeface="CMU Sans Serif" panose="02000603000000000000" pitchFamily="2" charset="0"/>
+                <a:cs typeface="CMU Sans Serif" panose="02000603000000000000" pitchFamily="2" charset="0"/>
+              </a:rPr>
+              <a:t> </a:t>
+            </a:r>
+            <a:r>
+              <a:rPr lang="fr-FR" sz="1200" dirty="0">
+                <a:solidFill>
+                  <a:srgbClr val="000000"/>
+                </a:solidFill>
+                <a:latin typeface="CMU Sans Serif" panose="02000603000000000000" pitchFamily="2" charset="0"/>
+                <a:ea typeface="CMU Sans Serif" panose="02000603000000000000" pitchFamily="2" charset="0"/>
+                <a:cs typeface="CMU Sans Serif" panose="02000603000000000000" pitchFamily="2" charset="0"/>
+              </a:rPr>
+              <a:t>Front end </a:t>
+            </a:r>
+            <a:r>
+              <a:rPr lang="fr-FR" sz="1200" dirty="0" err="1">
+                <a:solidFill>
+                  <a:srgbClr val="000000"/>
+                </a:solidFill>
+                <a:latin typeface="CMU Sans Serif" panose="02000603000000000000" pitchFamily="2" charset="0"/>
+                <a:ea typeface="CMU Sans Serif" panose="02000603000000000000" pitchFamily="2" charset="0"/>
+                <a:cs typeface="CMU Sans Serif" panose="02000603000000000000" pitchFamily="2" charset="0"/>
+              </a:rPr>
+              <a:t>app</a:t>
+            </a:r>
+            <a:endParaRPr lang="fr-FR" sz="1200" dirty="0">
+              <a:solidFill>
+                <a:srgbClr val="000000"/>
+              </a:solidFill>
+              <a:latin typeface="CMU Sans Serif" panose="02000603000000000000" pitchFamily="2" charset="0"/>
+              <a:ea typeface="CMU Sans Serif" panose="02000603000000000000" pitchFamily="2" charset="0"/>
+              <a:cs typeface="CMU Sans Serif" panose="02000603000000000000" pitchFamily="2" charset="0"/>
+            </a:endParaRPr>
+          </a:p>
+        </p:txBody>
+      </p:sp>
     </p:spTree>
     <p:extLst>
       <p:ext uri="{BB962C8B-B14F-4D97-AF65-F5344CB8AC3E}">
@@ -7385,7 +7510,7 @@
   <a:extraClrSchemeLst/>
   <a:extLst>
     <a:ext uri="{05A4C25C-085E-4340-85A3-A5531E510DB2}">
-      <thm15:themeFamily xmlns="" xmlns:thm15="http://schemas.microsoft.com/office/thememl/2012/main" name="OFR_OBS-template_external.potx" id="{8E63A4C0-0D5B-4AB0-9B17-28650E3A1109}" vid="{213D95EF-7056-43E0-9767-0E799F788926}"/>
+      <thm15:themeFamily xmlns:thm15="http://schemas.microsoft.com/office/thememl/2012/main" xmlns="" name="OFR_OBS-template_external.potx" id="{8E63A4C0-0D5B-4AB0-9B17-28650E3A1109}" vid="{213D95EF-7056-43E0-9767-0E799F788926}"/>
     </a:ext>
   </a:extLst>
 </a:theme>
